--- a/Presentación Proyecto.pptx
+++ b/Presentación Proyecto.pptx
@@ -5,7 +5,7 @@
     <p:sldMasterId id="2147483648" r:id="rId1"/>
   </p:sldMasterIdLst>
   <p:notesMasterIdLst>
-    <p:notesMasterId r:id="rId31"/>
+    <p:notesMasterId r:id="rId32"/>
   </p:notesMasterIdLst>
   <p:sldIdLst>
     <p:sldId id="256" r:id="rId2"/>
@@ -36,7 +36,8 @@
     <p:sldId id="271" r:id="rId27"/>
     <p:sldId id="272" r:id="rId28"/>
     <p:sldId id="267" r:id="rId29"/>
-    <p:sldId id="259" r:id="rId30"/>
+    <p:sldId id="288" r:id="rId30"/>
+    <p:sldId id="259" r:id="rId31"/>
   </p:sldIdLst>
   <p:sldSz cx="9144000" cy="5143500" type="screen16x9"/>
   <p:notesSz cx="6858000" cy="9144000"/>
@@ -236,7 +237,7 @@
           <a:p>
             <a:fld id="{821652C1-54FA-CD46-90EF-082DF126EC89}" type="datetimeFigureOut">
               <a:rPr lang="es-ES" smtClean="0"/>
-              <a:t>29/09/2019</a:t>
+              <a:t>30/09/2019</a:t>
             </a:fld>
             <a:endParaRPr lang="es-ES"/>
           </a:p>
@@ -1330,7 +1331,7 @@
           <a:p>
             <a:fld id="{88D09B62-7964-8A4C-9636-36CB120B29AE}" type="slidenum">
               <a:rPr lang="es-ES" smtClean="0"/>
-              <a:t>29</a:t>
+              <a:t>30</a:t>
             </a:fld>
             <a:endParaRPr lang="es-ES"/>
           </a:p>
@@ -1625,7 +1626,7 @@
           <a:p>
             <a:fld id="{9315191A-A0A9-294A-9DF6-EE4FF7E8A271}" type="datetimeFigureOut">
               <a:rPr lang="es-ES" smtClean="0"/>
-              <a:t>29/09/2019</a:t>
+              <a:t>30/09/2019</a:t>
             </a:fld>
             <a:endParaRPr lang="es-ES"/>
           </a:p>
@@ -1878,7 +1879,7 @@
           <a:p>
             <a:fld id="{9315191A-A0A9-294A-9DF6-EE4FF7E8A271}" type="datetimeFigureOut">
               <a:rPr lang="es-ES" smtClean="0"/>
-              <a:t>29/09/2019</a:t>
+              <a:t>30/09/2019</a:t>
             </a:fld>
             <a:endParaRPr lang="es-ES"/>
           </a:p>
@@ -2048,7 +2049,7 @@
           <a:p>
             <a:fld id="{9315191A-A0A9-294A-9DF6-EE4FF7E8A271}" type="datetimeFigureOut">
               <a:rPr lang="es-ES" smtClean="0"/>
-              <a:t>29/09/2019</a:t>
+              <a:t>30/09/2019</a:t>
             </a:fld>
             <a:endParaRPr lang="es-ES"/>
           </a:p>
@@ -2228,7 +2229,7 @@
           <a:p>
             <a:fld id="{9315191A-A0A9-294A-9DF6-EE4FF7E8A271}" type="datetimeFigureOut">
               <a:rPr lang="es-ES" smtClean="0"/>
-              <a:t>29/09/2019</a:t>
+              <a:t>30/09/2019</a:t>
             </a:fld>
             <a:endParaRPr lang="es-ES"/>
           </a:p>
@@ -3405,7 +3406,7 @@
           <a:p>
             <a:fld id="{9315191A-A0A9-294A-9DF6-EE4FF7E8A271}" type="datetimeFigureOut">
               <a:rPr lang="es-ES" smtClean="0"/>
-              <a:t>29/09/2019</a:t>
+              <a:t>30/09/2019</a:t>
             </a:fld>
             <a:endParaRPr lang="es-ES"/>
           </a:p>
@@ -3523,7 +3524,7 @@
           <a:p>
             <a:fld id="{9315191A-A0A9-294A-9DF6-EE4FF7E8A271}" type="datetimeFigureOut">
               <a:rPr lang="es-ES" smtClean="0"/>
-              <a:t>29/09/2019</a:t>
+              <a:t>30/09/2019</a:t>
             </a:fld>
             <a:endParaRPr lang="es-ES"/>
           </a:p>
@@ -3618,7 +3619,7 @@
           <a:p>
             <a:fld id="{9315191A-A0A9-294A-9DF6-EE4FF7E8A271}" type="datetimeFigureOut">
               <a:rPr lang="es-ES" smtClean="0"/>
-              <a:t>29/09/2019</a:t>
+              <a:t>30/09/2019</a:t>
             </a:fld>
             <a:endParaRPr lang="es-ES"/>
           </a:p>
@@ -3831,7 +3832,7 @@
           <a:p>
             <a:fld id="{9315191A-A0A9-294A-9DF6-EE4FF7E8A271}" type="datetimeFigureOut">
               <a:rPr lang="es-ES" smtClean="0"/>
-              <a:t>29/09/2019</a:t>
+              <a:t>30/09/2019</a:t>
             </a:fld>
             <a:endParaRPr lang="es-ES"/>
           </a:p>
@@ -8473,7 +8474,7 @@
         </p:nvSpPr>
         <p:spPr>
           <a:xfrm>
-            <a:off x="2642839" y="381206"/>
+            <a:off x="2642839" y="119596"/>
             <a:ext cx="3780263" cy="523220"/>
           </a:xfrm>
           <a:prstGeom prst="rect">
@@ -8500,6 +8501,30 @@
           </a:p>
         </p:txBody>
       </p:sp>
+      <p:pic>
+        <p:nvPicPr>
+          <p:cNvPr id="3" name="Imagen 2"/>
+          <p:cNvPicPr>
+            <a:picLocks noChangeAspect="1"/>
+          </p:cNvPicPr>
+          <p:nvPr/>
+        </p:nvPicPr>
+        <p:blipFill>
+          <a:blip r:embed="rId2"/>
+          <a:stretch>
+            <a:fillRect/>
+          </a:stretch>
+        </p:blipFill>
+        <p:spPr>
+          <a:xfrm>
+            <a:off x="738555" y="642816"/>
+            <a:ext cx="7455876" cy="4500684"/>
+          </a:xfrm>
+          <a:prstGeom prst="rect">
+            <a:avLst/>
+          </a:prstGeom>
+        </p:spPr>
+      </p:pic>
     </p:spTree>
     <p:extLst>
       <p:ext uri="{BB962C8B-B14F-4D97-AF65-F5344CB8AC3E}">
@@ -8521,6 +8546,413 @@
 </file>
 
 <file path=ppt/slides/slide29.xml><?xml version="1.0" encoding="utf-8"?>
+<p:sld xmlns:a="http://schemas.openxmlformats.org/drawingml/2006/main" xmlns:r="http://schemas.openxmlformats.org/officeDocument/2006/relationships" xmlns:p="http://schemas.openxmlformats.org/presentationml/2006/main">
+  <p:cSld>
+    <p:spTree>
+      <p:nvGrpSpPr>
+        <p:cNvPr id="1" name=""/>
+        <p:cNvGrpSpPr/>
+        <p:nvPr/>
+      </p:nvGrpSpPr>
+      <p:grpSpPr>
+        <a:xfrm>
+          <a:off x="0" y="0"/>
+          <a:ext cx="0" cy="0"/>
+          <a:chOff x="0" y="0"/>
+          <a:chExt cx="0" cy="0"/>
+        </a:xfrm>
+      </p:grpSpPr>
+      <p:sp>
+        <p:nvSpPr>
+          <p:cNvPr id="2" name="CuadroTexto 1"/>
+          <p:cNvSpPr txBox="1"/>
+          <p:nvPr/>
+        </p:nvSpPr>
+        <p:spPr>
+          <a:xfrm>
+            <a:off x="2642839" y="119596"/>
+            <a:ext cx="3780263" cy="523220"/>
+          </a:xfrm>
+          <a:prstGeom prst="rect">
+            <a:avLst/>
+          </a:prstGeom>
+          <a:noFill/>
+        </p:spPr>
+        <p:txBody>
+          <a:bodyPr wrap="square" rtlCol="0">
+            <a:spAutoFit/>
+          </a:bodyPr>
+          <a:lstStyle/>
+          <a:p>
+            <a:r>
+              <a:rPr lang="es-CO" sz="2800" b="1" dirty="0">
+                <a:solidFill>
+                  <a:schemeClr val="tx2"/>
+                </a:solidFill>
+                <a:latin typeface="Arial" panose="020B0604020202020204" pitchFamily="34" charset="0"/>
+                <a:cs typeface="Arial" panose="020B0604020202020204" pitchFamily="34" charset="0"/>
+              </a:rPr>
+              <a:t>Control de versiones</a:t>
+            </a:r>
+          </a:p>
+        </p:txBody>
+      </p:sp>
+      <p:pic>
+        <p:nvPicPr>
+          <p:cNvPr id="4" name="Imagen 3"/>
+          <p:cNvPicPr>
+            <a:picLocks noChangeAspect="1"/>
+          </p:cNvPicPr>
+          <p:nvPr/>
+        </p:nvPicPr>
+        <p:blipFill>
+          <a:blip r:embed="rId2"/>
+          <a:stretch>
+            <a:fillRect/>
+          </a:stretch>
+        </p:blipFill>
+        <p:spPr>
+          <a:xfrm>
+            <a:off x="376971" y="642816"/>
+            <a:ext cx="7782292" cy="4500684"/>
+          </a:xfrm>
+          <a:prstGeom prst="rect">
+            <a:avLst/>
+          </a:prstGeom>
+        </p:spPr>
+      </p:pic>
+    </p:spTree>
+    <p:extLst>
+      <p:ext uri="{BB962C8B-B14F-4D97-AF65-F5344CB8AC3E}">
+        <p14:creationId xmlns:p14="http://schemas.microsoft.com/office/powerpoint/2010/main" val="589450050"/>
+      </p:ext>
+    </p:extLst>
+  </p:cSld>
+  <p:clrMapOvr>
+    <a:masterClrMapping/>
+  </p:clrMapOvr>
+  <p:timing>
+    <p:tnLst>
+      <p:par>
+        <p:cTn id="1" dur="indefinite" restart="never" nodeType="tmRoot"/>
+      </p:par>
+    </p:tnLst>
+  </p:timing>
+</p:sld>
+</file>
+
+<file path=ppt/slides/slide3.xml><?xml version="1.0" encoding="utf-8"?>
+<p:sld xmlns:a="http://schemas.openxmlformats.org/drawingml/2006/main" xmlns:r="http://schemas.openxmlformats.org/officeDocument/2006/relationships" xmlns:p="http://schemas.openxmlformats.org/presentationml/2006/main">
+  <p:cSld>
+    <p:spTree>
+      <p:nvGrpSpPr>
+        <p:cNvPr id="1" name=""/>
+        <p:cNvGrpSpPr/>
+        <p:nvPr/>
+      </p:nvGrpSpPr>
+      <p:grpSpPr>
+        <a:xfrm>
+          <a:off x="0" y="0"/>
+          <a:ext cx="0" cy="0"/>
+          <a:chOff x="0" y="0"/>
+          <a:chExt cx="0" cy="0"/>
+        </a:xfrm>
+      </p:grpSpPr>
+      <p:sp>
+        <p:nvSpPr>
+          <p:cNvPr id="2" name="CuadroTexto 1"/>
+          <p:cNvSpPr txBox="1"/>
+          <p:nvPr/>
+        </p:nvSpPr>
+        <p:spPr>
+          <a:xfrm>
+            <a:off x="2308688" y="236098"/>
+            <a:ext cx="4996881" cy="523220"/>
+          </a:xfrm>
+          <a:prstGeom prst="rect">
+            <a:avLst/>
+          </a:prstGeom>
+          <a:noFill/>
+        </p:spPr>
+        <p:txBody>
+          <a:bodyPr wrap="none" rtlCol="0">
+            <a:spAutoFit/>
+          </a:bodyPr>
+          <a:lstStyle/>
+          <a:p>
+            <a:r>
+              <a:rPr lang="es-ES" sz="2800" b="1" dirty="0">
+                <a:solidFill>
+                  <a:schemeClr val="tx2"/>
+                </a:solidFill>
+                <a:latin typeface="Arial" panose="020B0604020202020204" pitchFamily="34" charset="0"/>
+                <a:cs typeface="Arial" panose="020B0604020202020204" pitchFamily="34" charset="0"/>
+              </a:rPr>
+              <a:t>Planteamiento del Problema</a:t>
+            </a:r>
+          </a:p>
+        </p:txBody>
+      </p:sp>
+      <p:sp>
+        <p:nvSpPr>
+          <p:cNvPr id="3" name="CuadroTexto 2"/>
+          <p:cNvSpPr txBox="1"/>
+          <p:nvPr/>
+        </p:nvSpPr>
+        <p:spPr>
+          <a:xfrm>
+            <a:off x="714632" y="1072278"/>
+            <a:ext cx="6734669" cy="954107"/>
+          </a:xfrm>
+          <a:prstGeom prst="rect">
+            <a:avLst/>
+          </a:prstGeom>
+          <a:noFill/>
+        </p:spPr>
+        <p:txBody>
+          <a:bodyPr wrap="square" rtlCol="0">
+            <a:spAutoFit/>
+          </a:bodyPr>
+          <a:lstStyle/>
+          <a:p>
+            <a:pPr algn="just"/>
+            <a:r>
+              <a:rPr lang="es-ES" dirty="0">
+                <a:solidFill>
+                  <a:schemeClr val="tx2"/>
+                </a:solidFill>
+                <a:latin typeface="Arial" panose="020B0604020202020204" pitchFamily="34" charset="0"/>
+                <a:cs typeface="Arial" panose="020B0604020202020204" pitchFamily="34" charset="0"/>
+              </a:rPr>
+              <a:t>El alquiler de reservas de sitios de descanso es base fundamental del turismo; sin embargo, se encuentran los siguientes problemas</a:t>
+            </a:r>
+            <a:r>
+              <a:rPr lang="es-ES" sz="2000" dirty="0">
+                <a:solidFill>
+                  <a:schemeClr val="tx2"/>
+                </a:solidFill>
+                <a:latin typeface="Arial" panose="020B0604020202020204" pitchFamily="34" charset="0"/>
+                <a:cs typeface="Arial" panose="020B0604020202020204" pitchFamily="34" charset="0"/>
+              </a:rPr>
+              <a:t>:</a:t>
+            </a:r>
+            <a:endParaRPr lang="es-CO" sz="2000" dirty="0">
+              <a:solidFill>
+                <a:schemeClr val="tx2"/>
+              </a:solidFill>
+              <a:latin typeface="Arial" panose="020B0604020202020204" pitchFamily="34" charset="0"/>
+              <a:cs typeface="Arial" panose="020B0604020202020204" pitchFamily="34" charset="0"/>
+            </a:endParaRPr>
+          </a:p>
+        </p:txBody>
+      </p:sp>
+      <p:sp>
+        <p:nvSpPr>
+          <p:cNvPr id="5" name="Rectángulo 4">
+            <a:extLst>
+              <a:ext uri="{FF2B5EF4-FFF2-40B4-BE49-F238E27FC236}">
+                <a16:creationId xmlns:a16="http://schemas.microsoft.com/office/drawing/2014/main" id="{E14F6628-6B45-44FC-812F-02284CCB9907}"/>
+              </a:ext>
+            </a:extLst>
+          </p:cNvPr>
+          <p:cNvSpPr/>
+          <p:nvPr/>
+        </p:nvSpPr>
+        <p:spPr>
+          <a:xfrm>
+            <a:off x="714632" y="2400615"/>
+            <a:ext cx="4128830" cy="2523768"/>
+          </a:xfrm>
+          <a:prstGeom prst="rect">
+            <a:avLst/>
+          </a:prstGeom>
+        </p:spPr>
+        <p:txBody>
+          <a:bodyPr wrap="square">
+            <a:spAutoFit/>
+          </a:bodyPr>
+          <a:lstStyle/>
+          <a:p>
+            <a:pPr indent="-342900" algn="just">
+              <a:buFont typeface="+mj-lt"/>
+              <a:buAutoNum type="arabicPeriod"/>
+            </a:pPr>
+            <a:r>
+              <a:rPr lang="es-ES" dirty="0">
+                <a:solidFill>
+                  <a:schemeClr val="tx2"/>
+                </a:solidFill>
+                <a:latin typeface="Arial" panose="020B0604020202020204" pitchFamily="34" charset="0"/>
+              </a:rPr>
+              <a:t>La comunicación entre propietarios y turistas. </a:t>
+            </a:r>
+          </a:p>
+          <a:p>
+            <a:pPr indent="-342900" algn="just">
+              <a:buFont typeface="+mj-lt"/>
+              <a:buAutoNum type="arabicPeriod"/>
+            </a:pPr>
+            <a:r>
+              <a:rPr lang="es-ES" dirty="0">
+                <a:solidFill>
+                  <a:schemeClr val="tx2"/>
+                </a:solidFill>
+                <a:latin typeface="Arial" panose="020B0604020202020204" pitchFamily="34" charset="0"/>
+              </a:rPr>
+              <a:t>Los sistemas que suelen usar los propietarios de fincas son poco efectivos.</a:t>
+            </a:r>
+          </a:p>
+          <a:p>
+            <a:pPr indent="-342900" algn="just">
+              <a:buFont typeface="+mj-lt"/>
+              <a:buAutoNum type="arabicPeriod"/>
+            </a:pPr>
+            <a:r>
+              <a:rPr lang="es-ES" dirty="0">
+                <a:solidFill>
+                  <a:schemeClr val="tx2"/>
+                </a:solidFill>
+                <a:latin typeface="Arial" panose="020B0604020202020204" pitchFamily="34" charset="0"/>
+              </a:rPr>
+              <a:t>Costos elevados a pequeños empresarios.</a:t>
+            </a:r>
+          </a:p>
+          <a:p>
+            <a:pPr indent="-342900" algn="just">
+              <a:buFont typeface="+mj-lt"/>
+              <a:buAutoNum type="arabicPeriod"/>
+            </a:pPr>
+            <a:r>
+              <a:rPr lang="es-ES" dirty="0">
+                <a:solidFill>
+                  <a:schemeClr val="tx2"/>
+                </a:solidFill>
+                <a:latin typeface="Arial" panose="020B0604020202020204" pitchFamily="34" charset="0"/>
+              </a:rPr>
+              <a:t>Encontrar la ubicación.</a:t>
+            </a:r>
+          </a:p>
+          <a:p>
+            <a:pPr indent="-342900" algn="just">
+              <a:buFont typeface="+mj-lt"/>
+              <a:buAutoNum type="arabicPeriod"/>
+            </a:pPr>
+            <a:endParaRPr lang="es-CO" sz="1400" dirty="0">
+              <a:solidFill>
+                <a:srgbClr val="274FB2"/>
+              </a:solidFill>
+              <a:latin typeface="Work Sans" panose="00000500000000000000" pitchFamily="2" charset="0"/>
+            </a:endParaRPr>
+          </a:p>
+        </p:txBody>
+      </p:sp>
+      <p:pic>
+        <p:nvPicPr>
+          <p:cNvPr id="4" name="Imagen 3"/>
+          <p:cNvPicPr>
+            <a:picLocks noChangeAspect="1"/>
+          </p:cNvPicPr>
+          <p:nvPr/>
+        </p:nvPicPr>
+        <p:blipFill rotWithShape="1">
+          <a:blip r:embed="rId3">
+            <a:extLst>
+              <a:ext uri="{BEBA8EAE-BF5A-486C-A8C5-ECC9F3942E4B}">
+                <a14:imgProps xmlns:a14="http://schemas.microsoft.com/office/drawing/2010/main">
+                  <a14:imgLayer r:embed="rId4">
+                    <a14:imgEffect>
+                      <a14:backgroundRemoval t="0" b="99688" l="625" r="100000"/>
+                    </a14:imgEffect>
+                  </a14:imgLayer>
+                </a14:imgProps>
+              </a:ext>
+            </a:extLst>
+          </a:blip>
+          <a:srcRect l="5367" t="3308" r="5732" b="3033"/>
+          <a:stretch/>
+        </p:blipFill>
+        <p:spPr>
+          <a:xfrm rot="700501">
+            <a:off x="6319508" y="2578662"/>
+            <a:ext cx="1972121" cy="2077625"/>
+          </a:xfrm>
+          <a:prstGeom prst="rect">
+            <a:avLst/>
+          </a:prstGeom>
+        </p:spPr>
+      </p:pic>
+      <p:sp>
+        <p:nvSpPr>
+          <p:cNvPr id="6" name="Conector 5"/>
+          <p:cNvSpPr/>
+          <p:nvPr/>
+        </p:nvSpPr>
+        <p:spPr>
+          <a:xfrm>
+            <a:off x="6779941" y="3902927"/>
+            <a:ext cx="323386" cy="323385"/>
+          </a:xfrm>
+          <a:prstGeom prst="flowChartConnector">
+            <a:avLst/>
+          </a:prstGeom>
+          <a:solidFill>
+            <a:srgbClr val="B80A07"/>
+          </a:solidFill>
+          <a:ln>
+            <a:noFill/>
+          </a:ln>
+          <a:effectLst>
+            <a:innerShdw blurRad="63500" dist="50800" dir="8100000">
+              <a:prstClr val="black">
+                <a:alpha val="50000"/>
+              </a:prstClr>
+            </a:innerShdw>
+          </a:effectLst>
+        </p:spPr>
+        <p:style>
+          <a:lnRef idx="1">
+            <a:schemeClr val="accent1"/>
+          </a:lnRef>
+          <a:fillRef idx="3">
+            <a:schemeClr val="accent1"/>
+          </a:fillRef>
+          <a:effectRef idx="2">
+            <a:schemeClr val="accent1"/>
+          </a:effectRef>
+          <a:fontRef idx="minor">
+            <a:schemeClr val="lt1"/>
+          </a:fontRef>
+        </p:style>
+        <p:txBody>
+          <a:bodyPr rtlCol="0" anchor="ctr"/>
+          <a:lstStyle/>
+          <a:p>
+            <a:pPr algn="ctr"/>
+            <a:endParaRPr lang="es-CO"/>
+          </a:p>
+        </p:txBody>
+      </p:sp>
+    </p:spTree>
+    <p:extLst>
+      <p:ext uri="{BB962C8B-B14F-4D97-AF65-F5344CB8AC3E}">
+        <p14:creationId xmlns:p14="http://schemas.microsoft.com/office/powerpoint/2010/main" val="2562694090"/>
+      </p:ext>
+    </p:extLst>
+  </p:cSld>
+  <p:clrMapOvr>
+    <a:masterClrMapping/>
+  </p:clrMapOvr>
+  <p:timing>
+    <p:tnLst>
+      <p:par>
+        <p:cTn id="1" dur="indefinite" restart="never" nodeType="tmRoot"/>
+      </p:par>
+    </p:tnLst>
+  </p:timing>
+</p:sld>
+</file>
+
+<file path=ppt/slides/slide30.xml><?xml version="1.0" encoding="utf-8"?>
 <p:sld xmlns:a="http://schemas.openxmlformats.org/drawingml/2006/main" xmlns:r="http://schemas.openxmlformats.org/officeDocument/2006/relationships" xmlns:p="http://schemas.openxmlformats.org/presentationml/2006/main">
   <p:cSld>
     <p:bg>
@@ -8568,317 +9000,6 @@
 </p:sld>
 </file>
 
-<file path=ppt/slides/slide3.xml><?xml version="1.0" encoding="utf-8"?>
-<p:sld xmlns:a="http://schemas.openxmlformats.org/drawingml/2006/main" xmlns:r="http://schemas.openxmlformats.org/officeDocument/2006/relationships" xmlns:p="http://schemas.openxmlformats.org/presentationml/2006/main">
-  <p:cSld>
-    <p:spTree>
-      <p:nvGrpSpPr>
-        <p:cNvPr id="1" name=""/>
-        <p:cNvGrpSpPr/>
-        <p:nvPr/>
-      </p:nvGrpSpPr>
-      <p:grpSpPr>
-        <a:xfrm>
-          <a:off x="0" y="0"/>
-          <a:ext cx="0" cy="0"/>
-          <a:chOff x="0" y="0"/>
-          <a:chExt cx="0" cy="0"/>
-        </a:xfrm>
-      </p:grpSpPr>
-      <p:sp>
-        <p:nvSpPr>
-          <p:cNvPr id="2" name="CuadroTexto 1"/>
-          <p:cNvSpPr txBox="1"/>
-          <p:nvPr/>
-        </p:nvSpPr>
-        <p:spPr>
-          <a:xfrm>
-            <a:off x="2308688" y="236098"/>
-            <a:ext cx="4996881" cy="523220"/>
-          </a:xfrm>
-          <a:prstGeom prst="rect">
-            <a:avLst/>
-          </a:prstGeom>
-          <a:noFill/>
-        </p:spPr>
-        <p:txBody>
-          <a:bodyPr wrap="none" rtlCol="0">
-            <a:spAutoFit/>
-          </a:bodyPr>
-          <a:lstStyle/>
-          <a:p>
-            <a:r>
-              <a:rPr lang="es-ES" sz="2800" b="1" dirty="0">
-                <a:solidFill>
-                  <a:schemeClr val="tx2"/>
-                </a:solidFill>
-                <a:latin typeface="Arial" panose="020B0604020202020204" pitchFamily="34" charset="0"/>
-                <a:cs typeface="Arial" panose="020B0604020202020204" pitchFamily="34" charset="0"/>
-              </a:rPr>
-              <a:t>Planteamiento del Problema</a:t>
-            </a:r>
-          </a:p>
-        </p:txBody>
-      </p:sp>
-      <p:sp>
-        <p:nvSpPr>
-          <p:cNvPr id="3" name="CuadroTexto 2"/>
-          <p:cNvSpPr txBox="1"/>
-          <p:nvPr/>
-        </p:nvSpPr>
-        <p:spPr>
-          <a:xfrm>
-            <a:off x="714632" y="1072278"/>
-            <a:ext cx="6734669" cy="954107"/>
-          </a:xfrm>
-          <a:prstGeom prst="rect">
-            <a:avLst/>
-          </a:prstGeom>
-          <a:noFill/>
-        </p:spPr>
-        <p:txBody>
-          <a:bodyPr wrap="square" rtlCol="0">
-            <a:spAutoFit/>
-          </a:bodyPr>
-          <a:lstStyle/>
-          <a:p>
-            <a:pPr algn="just"/>
-            <a:r>
-              <a:rPr lang="es-ES" dirty="0">
-                <a:solidFill>
-                  <a:schemeClr val="tx2"/>
-                </a:solidFill>
-                <a:latin typeface="Arial" panose="020B0604020202020204" pitchFamily="34" charset="0"/>
-                <a:cs typeface="Arial" panose="020B0604020202020204" pitchFamily="34" charset="0"/>
-              </a:rPr>
-              <a:t>El alquiler de reservas de sitios de descanso es base fundamental del turismo; sin embargo, se encuentran los siguientes problemas</a:t>
-            </a:r>
-            <a:r>
-              <a:rPr lang="es-ES" sz="2000" dirty="0">
-                <a:solidFill>
-                  <a:schemeClr val="tx2"/>
-                </a:solidFill>
-                <a:latin typeface="Arial" panose="020B0604020202020204" pitchFamily="34" charset="0"/>
-                <a:cs typeface="Arial" panose="020B0604020202020204" pitchFamily="34" charset="0"/>
-              </a:rPr>
-              <a:t>:</a:t>
-            </a:r>
-            <a:endParaRPr lang="es-CO" sz="2000" dirty="0">
-              <a:solidFill>
-                <a:schemeClr val="tx2"/>
-              </a:solidFill>
-              <a:latin typeface="Arial" panose="020B0604020202020204" pitchFamily="34" charset="0"/>
-              <a:cs typeface="Arial" panose="020B0604020202020204" pitchFamily="34" charset="0"/>
-            </a:endParaRPr>
-          </a:p>
-        </p:txBody>
-      </p:sp>
-      <p:sp>
-        <p:nvSpPr>
-          <p:cNvPr id="5" name="Rectángulo 4">
-            <a:extLst>
-              <a:ext uri="{FF2B5EF4-FFF2-40B4-BE49-F238E27FC236}">
-                <a16:creationId xmlns:a16="http://schemas.microsoft.com/office/drawing/2014/main" id="{E14F6628-6B45-44FC-812F-02284CCB9907}"/>
-              </a:ext>
-            </a:extLst>
-          </p:cNvPr>
-          <p:cNvSpPr/>
-          <p:nvPr/>
-        </p:nvSpPr>
-        <p:spPr>
-          <a:xfrm>
-            <a:off x="714632" y="2400615"/>
-            <a:ext cx="4128830" cy="2523768"/>
-          </a:xfrm>
-          <a:prstGeom prst="rect">
-            <a:avLst/>
-          </a:prstGeom>
-        </p:spPr>
-        <p:txBody>
-          <a:bodyPr wrap="square">
-            <a:spAutoFit/>
-          </a:bodyPr>
-          <a:lstStyle/>
-          <a:p>
-            <a:pPr indent="-342900" algn="just">
-              <a:buFont typeface="+mj-lt"/>
-              <a:buAutoNum type="arabicPeriod"/>
-            </a:pPr>
-            <a:r>
-              <a:rPr lang="es-ES" dirty="0">
-                <a:solidFill>
-                  <a:schemeClr val="tx2"/>
-                </a:solidFill>
-                <a:latin typeface="Arial" panose="020B0604020202020204" pitchFamily="34" charset="0"/>
-              </a:rPr>
-              <a:t>La comunicación entre propietarios y turistas. </a:t>
-            </a:r>
-          </a:p>
-          <a:p>
-            <a:pPr indent="-342900" algn="just">
-              <a:buFont typeface="+mj-lt"/>
-              <a:buAutoNum type="arabicPeriod"/>
-            </a:pPr>
-            <a:r>
-              <a:rPr lang="es-ES" dirty="0">
-                <a:solidFill>
-                  <a:schemeClr val="tx2"/>
-                </a:solidFill>
-                <a:latin typeface="Arial" panose="020B0604020202020204" pitchFamily="34" charset="0"/>
-              </a:rPr>
-              <a:t>Los sistemas que suelen usar los propietarios de fincas son poco efectivos.</a:t>
-            </a:r>
-          </a:p>
-          <a:p>
-            <a:pPr indent="-342900" algn="just">
-              <a:buFont typeface="+mj-lt"/>
-              <a:buAutoNum type="arabicPeriod"/>
-            </a:pPr>
-            <a:r>
-              <a:rPr lang="es-ES" dirty="0">
-                <a:solidFill>
-                  <a:schemeClr val="tx2"/>
-                </a:solidFill>
-                <a:latin typeface="Arial" panose="020B0604020202020204" pitchFamily="34" charset="0"/>
-              </a:rPr>
-              <a:t>Costos elevados a pequeños empresarios.</a:t>
-            </a:r>
-          </a:p>
-          <a:p>
-            <a:pPr indent="-342900" algn="just">
-              <a:buFont typeface="+mj-lt"/>
-              <a:buAutoNum type="arabicPeriod"/>
-            </a:pPr>
-            <a:r>
-              <a:rPr lang="es-ES" dirty="0">
-                <a:solidFill>
-                  <a:schemeClr val="tx2"/>
-                </a:solidFill>
-                <a:latin typeface="Arial" panose="020B0604020202020204" pitchFamily="34" charset="0"/>
-              </a:rPr>
-              <a:t>Encontrar la ubicación.</a:t>
-            </a:r>
-          </a:p>
-          <a:p>
-            <a:pPr indent="-342900" algn="just">
-              <a:buFont typeface="+mj-lt"/>
-              <a:buAutoNum type="arabicPeriod"/>
-            </a:pPr>
-            <a:endParaRPr lang="es-CO" sz="1400" dirty="0">
-              <a:solidFill>
-                <a:srgbClr val="274FB2"/>
-              </a:solidFill>
-              <a:latin typeface="Work Sans" panose="00000500000000000000" pitchFamily="2" charset="0"/>
-            </a:endParaRPr>
-          </a:p>
-        </p:txBody>
-      </p:sp>
-      <p:pic>
-        <p:nvPicPr>
-          <p:cNvPr id="4" name="Imagen 3"/>
-          <p:cNvPicPr>
-            <a:picLocks noChangeAspect="1"/>
-          </p:cNvPicPr>
-          <p:nvPr/>
-        </p:nvPicPr>
-        <p:blipFill rotWithShape="1">
-          <a:blip r:embed="rId3">
-            <a:extLst>
-              <a:ext uri="{BEBA8EAE-BF5A-486C-A8C5-ECC9F3942E4B}">
-                <a14:imgProps xmlns:a14="http://schemas.microsoft.com/office/drawing/2010/main">
-                  <a14:imgLayer r:embed="rId4">
-                    <a14:imgEffect>
-                      <a14:backgroundRemoval t="0" b="99688" l="625" r="100000"/>
-                    </a14:imgEffect>
-                  </a14:imgLayer>
-                </a14:imgProps>
-              </a:ext>
-            </a:extLst>
-          </a:blip>
-          <a:srcRect l="5367" t="3308" r="5732" b="3033"/>
-          <a:stretch/>
-        </p:blipFill>
-        <p:spPr>
-          <a:xfrm rot="700501">
-            <a:off x="6319508" y="2578662"/>
-            <a:ext cx="1972121" cy="2077625"/>
-          </a:xfrm>
-          <a:prstGeom prst="rect">
-            <a:avLst/>
-          </a:prstGeom>
-        </p:spPr>
-      </p:pic>
-      <p:sp>
-        <p:nvSpPr>
-          <p:cNvPr id="6" name="Conector 5"/>
-          <p:cNvSpPr/>
-          <p:nvPr/>
-        </p:nvSpPr>
-        <p:spPr>
-          <a:xfrm>
-            <a:off x="6779941" y="3902927"/>
-            <a:ext cx="323386" cy="323385"/>
-          </a:xfrm>
-          <a:prstGeom prst="flowChartConnector">
-            <a:avLst/>
-          </a:prstGeom>
-          <a:solidFill>
-            <a:srgbClr val="B80A07"/>
-          </a:solidFill>
-          <a:ln>
-            <a:noFill/>
-          </a:ln>
-          <a:effectLst>
-            <a:innerShdw blurRad="63500" dist="50800" dir="8100000">
-              <a:prstClr val="black">
-                <a:alpha val="50000"/>
-              </a:prstClr>
-            </a:innerShdw>
-          </a:effectLst>
-        </p:spPr>
-        <p:style>
-          <a:lnRef idx="1">
-            <a:schemeClr val="accent1"/>
-          </a:lnRef>
-          <a:fillRef idx="3">
-            <a:schemeClr val="accent1"/>
-          </a:fillRef>
-          <a:effectRef idx="2">
-            <a:schemeClr val="accent1"/>
-          </a:effectRef>
-          <a:fontRef idx="minor">
-            <a:schemeClr val="lt1"/>
-          </a:fontRef>
-        </p:style>
-        <p:txBody>
-          <a:bodyPr rtlCol="0" anchor="ctr"/>
-          <a:lstStyle/>
-          <a:p>
-            <a:pPr algn="ctr"/>
-            <a:endParaRPr lang="es-CO"/>
-          </a:p>
-        </p:txBody>
-      </p:sp>
-    </p:spTree>
-    <p:extLst>
-      <p:ext uri="{BB962C8B-B14F-4D97-AF65-F5344CB8AC3E}">
-        <p14:creationId xmlns:p14="http://schemas.microsoft.com/office/powerpoint/2010/main" val="2562694090"/>
-      </p:ext>
-    </p:extLst>
-  </p:cSld>
-  <p:clrMapOvr>
-    <a:masterClrMapping/>
-  </p:clrMapOvr>
-  <p:timing>
-    <p:tnLst>
-      <p:par>
-        <p:cTn id="1" dur="indefinite" restart="never" nodeType="tmRoot"/>
-      </p:par>
-    </p:tnLst>
-  </p:timing>
-</p:sld>
-</file>
-
 <file path=ppt/slides/slide4.xml><?xml version="1.0" encoding="utf-8"?>
 <p:sld xmlns:a="http://schemas.openxmlformats.org/drawingml/2006/main" xmlns:r="http://schemas.openxmlformats.org/officeDocument/2006/relationships" xmlns:p="http://schemas.openxmlformats.org/presentationml/2006/main">
   <p:cSld>
@@ -9175,17 +9296,7 @@
                 <a:latin typeface="Arial" panose="020B0604020202020204" pitchFamily="34" charset="0"/>
                 <a:cs typeface="Arial" panose="020B0604020202020204" pitchFamily="34" charset="0"/>
               </a:rPr>
-              <a:t>y/</a:t>
-            </a:r>
-            <a:r>
-              <a:rPr lang="es-CO" dirty="0" smtClean="0">
-                <a:solidFill>
-                  <a:schemeClr val="tx2"/>
-                </a:solidFill>
-                <a:latin typeface="Arial" panose="020B0604020202020204" pitchFamily="34" charset="0"/>
-                <a:cs typeface="Arial" panose="020B0604020202020204" pitchFamily="34" charset="0"/>
-              </a:rPr>
-              <a:t>o </a:t>
+              <a:t>y/o </a:t>
             </a:r>
             <a:r>
               <a:rPr lang="es-CO" dirty="0">
@@ -9960,17 +10071,7 @@
                 <a:latin typeface="Arial" panose="020B0604020202020204" pitchFamily="34" charset="0"/>
                 <a:cs typeface="Arial" panose="020B0604020202020204" pitchFamily="34" charset="0"/>
               </a:rPr>
-              <a:t>y/</a:t>
-            </a:r>
-            <a:r>
-              <a:rPr lang="es-CO" dirty="0" smtClean="0">
-                <a:solidFill>
-                  <a:schemeClr val="tx2"/>
-                </a:solidFill>
-                <a:latin typeface="Arial" panose="020B0604020202020204" pitchFamily="34" charset="0"/>
-                <a:cs typeface="Arial" panose="020B0604020202020204" pitchFamily="34" charset="0"/>
-              </a:rPr>
-              <a:t>o </a:t>
+              <a:t>y/o </a:t>
             </a:r>
             <a:r>
               <a:rPr lang="es-CO" dirty="0">

--- a/Presentación Proyecto.pptx
+++ b/Presentación Proyecto.pptx
@@ -237,7 +237,7 @@
           <a:p>
             <a:fld id="{821652C1-54FA-CD46-90EF-082DF126EC89}" type="datetimeFigureOut">
               <a:rPr lang="es-ES" smtClean="0"/>
-              <a:t>30/09/2019</a:t>
+              <a:t>07/10/2019</a:t>
             </a:fld>
             <a:endParaRPr lang="es-ES"/>
           </a:p>
@@ -1626,7 +1626,7 @@
           <a:p>
             <a:fld id="{9315191A-A0A9-294A-9DF6-EE4FF7E8A271}" type="datetimeFigureOut">
               <a:rPr lang="es-ES" smtClean="0"/>
-              <a:t>30/09/2019</a:t>
+              <a:t>07/10/2019</a:t>
             </a:fld>
             <a:endParaRPr lang="es-ES"/>
           </a:p>
@@ -1879,7 +1879,7 @@
           <a:p>
             <a:fld id="{9315191A-A0A9-294A-9DF6-EE4FF7E8A271}" type="datetimeFigureOut">
               <a:rPr lang="es-ES" smtClean="0"/>
-              <a:t>30/09/2019</a:t>
+              <a:t>07/10/2019</a:t>
             </a:fld>
             <a:endParaRPr lang="es-ES"/>
           </a:p>
@@ -2049,7 +2049,7 @@
           <a:p>
             <a:fld id="{9315191A-A0A9-294A-9DF6-EE4FF7E8A271}" type="datetimeFigureOut">
               <a:rPr lang="es-ES" smtClean="0"/>
-              <a:t>30/09/2019</a:t>
+              <a:t>07/10/2019</a:t>
             </a:fld>
             <a:endParaRPr lang="es-ES"/>
           </a:p>
@@ -2229,7 +2229,7 @@
           <a:p>
             <a:fld id="{9315191A-A0A9-294A-9DF6-EE4FF7E8A271}" type="datetimeFigureOut">
               <a:rPr lang="es-ES" smtClean="0"/>
-              <a:t>30/09/2019</a:t>
+              <a:t>07/10/2019</a:t>
             </a:fld>
             <a:endParaRPr lang="es-ES"/>
           </a:p>
@@ -3406,7 +3406,7 @@
           <a:p>
             <a:fld id="{9315191A-A0A9-294A-9DF6-EE4FF7E8A271}" type="datetimeFigureOut">
               <a:rPr lang="es-ES" smtClean="0"/>
-              <a:t>30/09/2019</a:t>
+              <a:t>07/10/2019</a:t>
             </a:fld>
             <a:endParaRPr lang="es-ES"/>
           </a:p>
@@ -3524,7 +3524,7 @@
           <a:p>
             <a:fld id="{9315191A-A0A9-294A-9DF6-EE4FF7E8A271}" type="datetimeFigureOut">
               <a:rPr lang="es-ES" smtClean="0"/>
-              <a:t>30/09/2019</a:t>
+              <a:t>07/10/2019</a:t>
             </a:fld>
             <a:endParaRPr lang="es-ES"/>
           </a:p>
@@ -3619,7 +3619,7 @@
           <a:p>
             <a:fld id="{9315191A-A0A9-294A-9DF6-EE4FF7E8A271}" type="datetimeFigureOut">
               <a:rPr lang="es-ES" smtClean="0"/>
-              <a:t>30/09/2019</a:t>
+              <a:t>07/10/2019</a:t>
             </a:fld>
             <a:endParaRPr lang="es-ES"/>
           </a:p>
@@ -3832,7 +3832,7 @@
           <a:p>
             <a:fld id="{9315191A-A0A9-294A-9DF6-EE4FF7E8A271}" type="datetimeFigureOut">
               <a:rPr lang="es-ES" smtClean="0"/>
-              <a:t>30/09/2019</a:t>
+              <a:t>07/10/2019</a:t>
             </a:fld>
             <a:endParaRPr lang="es-ES"/>
           </a:p>
@@ -6574,7 +6574,7 @@
         <p:spPr>
           <a:xfrm>
             <a:off x="5601222" y="1694587"/>
-            <a:ext cx="2940424" cy="1754326"/>
+            <a:ext cx="2940424" cy="1477328"/>
           </a:xfrm>
           <a:prstGeom prst="rect">
             <a:avLst/>
@@ -6614,21 +6614,8 @@
                 <a:latin typeface="Arial" panose="020B0604020202020204" pitchFamily="34" charset="0"/>
                 <a:cs typeface="Arial" panose="020B0604020202020204" pitchFamily="34" charset="0"/>
               </a:rPr>
-              <a:t>Filtrar </a:t>
-            </a:r>
-            <a:endParaRPr lang="es-ES" dirty="0">
-              <a:solidFill>
-                <a:schemeClr val="tx2"/>
-              </a:solidFill>
-              <a:latin typeface="Arial" panose="020B0604020202020204" pitchFamily="34" charset="0"/>
-              <a:cs typeface="Arial" panose="020B0604020202020204" pitchFamily="34" charset="0"/>
-            </a:endParaRPr>
-          </a:p>
-          <a:p>
-            <a:pPr marL="285750" indent="-285750" algn="just">
-              <a:buFont typeface="Wingdings" panose="05000000000000000000" pitchFamily="2" charset="2"/>
-              <a:buChar char="v"/>
-            </a:pPr>
+              <a:t>Realizar </a:t>
+            </a:r>
             <a:r>
               <a:rPr lang="es-ES" dirty="0">
                 <a:solidFill>
@@ -6637,7 +6624,7 @@
                 <a:latin typeface="Arial" panose="020B0604020202020204" pitchFamily="34" charset="0"/>
                 <a:cs typeface="Arial" panose="020B0604020202020204" pitchFamily="34" charset="0"/>
               </a:rPr>
-              <a:t>Realizar reservas</a:t>
+              <a:t>reservas</a:t>
             </a:r>
           </a:p>
           <a:p>
@@ -7457,7 +7444,7 @@
         <p:spPr>
           <a:xfrm>
             <a:off x="842683" y="1696802"/>
-            <a:ext cx="4572000" cy="2932213"/>
+            <a:ext cx="4572000" cy="3316292"/>
           </a:xfrm>
           <a:prstGeom prst="rect">
             <a:avLst/>
@@ -7483,6 +7470,16 @@
               <a:buChar char="v"/>
             </a:pPr>
             <a:r>
+              <a:rPr lang="es-ES" dirty="0" smtClean="0">
+                <a:solidFill>
+                  <a:schemeClr val="tx2"/>
+                </a:solidFill>
+                <a:latin typeface="Arial" panose="020B0604020202020204" pitchFamily="34" charset="0"/>
+                <a:cs typeface="Arial" panose="020B0604020202020204" pitchFamily="34" charset="0"/>
+              </a:rPr>
+              <a:t>El </a:t>
+            </a:r>
+            <a:r>
               <a:rPr lang="es-ES" dirty="0">
                 <a:solidFill>
                   <a:schemeClr val="tx2"/>
@@ -7490,8 +7487,50 @@
                 <a:latin typeface="Arial" panose="020B0604020202020204" pitchFamily="34" charset="0"/>
                 <a:cs typeface="Arial" panose="020B0604020202020204" pitchFamily="34" charset="0"/>
               </a:rPr>
-              <a:t>El sistema estará regido por la Ley 1581 de Protección de datos.</a:t>
-            </a:r>
+              <a:t>sistema estará regido por la Ley 1581 de Protección de datos</a:t>
+            </a:r>
+            <a:r>
+              <a:rPr lang="es-ES" dirty="0" smtClean="0">
+                <a:solidFill>
+                  <a:schemeClr val="tx2"/>
+                </a:solidFill>
+                <a:latin typeface="Arial" panose="020B0604020202020204" pitchFamily="34" charset="0"/>
+                <a:cs typeface="Arial" panose="020B0604020202020204" pitchFamily="34" charset="0"/>
+              </a:rPr>
+              <a:t>.</a:t>
+            </a:r>
+          </a:p>
+          <a:p>
+            <a:pPr marL="285750" lvl="0" indent="-285750">
+              <a:lnSpc>
+                <a:spcPct val="115000"/>
+              </a:lnSpc>
+              <a:spcBef>
+                <a:spcPts val="300"/>
+              </a:spcBef>
+              <a:spcAft>
+                <a:spcPts val="0"/>
+              </a:spcAft>
+              <a:buFont typeface="Wingdings" panose="05000000000000000000" pitchFamily="2" charset="2"/>
+              <a:buChar char="v"/>
+            </a:pPr>
+            <a:r>
+              <a:rPr lang="es-ES" dirty="0" smtClean="0">
+                <a:solidFill>
+                  <a:schemeClr val="tx2"/>
+                </a:solidFill>
+                <a:latin typeface="Arial" panose="020B0604020202020204" pitchFamily="34" charset="0"/>
+                <a:cs typeface="Arial" panose="020B0604020202020204" pitchFamily="34" charset="0"/>
+              </a:rPr>
+              <a:t>Filtrar </a:t>
+            </a:r>
+            <a:endParaRPr lang="es-ES" dirty="0">
+              <a:solidFill>
+                <a:schemeClr val="tx2"/>
+              </a:solidFill>
+              <a:latin typeface="Arial" panose="020B0604020202020204" pitchFamily="34" charset="0"/>
+              <a:cs typeface="Arial" panose="020B0604020202020204" pitchFamily="34" charset="0"/>
+            </a:endParaRPr>
           </a:p>
           <a:p>
             <a:pPr marL="285750" lvl="0" indent="-285750">
